--- a/DoCB.pptx
+++ b/DoCB.pptx
@@ -3561,7 +3561,7 @@
           <a:p>
             <a:fld id="{20EA5F0D-C1DC-412F-A146-DDB3A74B588F}" type="datetimeFigureOut">
               <a:rPr lang="en-US"/>
-              <a:t>6/22/2017</a:t>
+              <a:t>6/26/2017</a:t>
             </a:fld>
             <a:endParaRPr dirty="0"/>
           </a:p>
@@ -3726,7 +3726,7 @@
           <a:p>
             <a:fld id="{A8CDE508-72C8-4AB5-AA9C-1584D31690E0}" type="datetimeFigureOut">
               <a:rPr lang="en-US"/>
-              <a:t>6/22/2017</a:t>
+              <a:t>6/26/2017</a:t>
             </a:fld>
             <a:endParaRPr dirty="0"/>
           </a:p>
@@ -4303,7 +4303,7 @@
           <a:p>
             <a:fld id="{96778338-BE31-4C31-88D4-3BE98D0D8557}" type="datetime1">
               <a:rPr lang="en-US" smtClean="0"/>
-              <a:t>6/24/2017</a:t>
+              <a:t>6/26/2017</a:t>
             </a:fld>
             <a:endParaRPr lang="en-US" dirty="0"/>
           </a:p>
@@ -4528,7 +4528,7 @@
           <a:p>
             <a:fld id="{CB17D30F-B934-4413-8D11-F76305985069}" type="datetime1">
               <a:rPr lang="en-US" smtClean="0"/>
-              <a:t>6/24/2017</a:t>
+              <a:t>6/26/2017</a:t>
             </a:fld>
             <a:endParaRPr lang="en-US" dirty="0"/>
           </a:p>
@@ -4796,7 +4796,7 @@
           <a:p>
             <a:fld id="{E7070728-5728-4EE3-8908-5FAA550338B9}" type="datetime1">
               <a:rPr lang="en-US" smtClean="0"/>
-              <a:t>6/24/2017</a:t>
+              <a:t>6/26/2017</a:t>
             </a:fld>
             <a:endParaRPr lang="en-US" dirty="0"/>
           </a:p>
@@ -4978,7 +4978,7 @@
           <a:p>
             <a:fld id="{FE47C11A-4406-419F-9867-F39C3627C8A7}" type="datetime1">
               <a:rPr lang="en-US" smtClean="0"/>
-              <a:t>6/24/2017</a:t>
+              <a:t>6/26/2017</a:t>
             </a:fld>
             <a:endParaRPr lang="en-US" dirty="0"/>
           </a:p>
@@ -5347,7 +5347,7 @@
           <a:p>
             <a:fld id="{6155A251-FF5A-4365-91FB-C4F36D7D1EEC}" type="datetime1">
               <a:rPr lang="en-US" smtClean="0"/>
-              <a:t>6/24/2017</a:t>
+              <a:t>6/26/2017</a:t>
             </a:fld>
             <a:endParaRPr lang="en-US" dirty="0"/>
           </a:p>
@@ -5648,7 +5648,7 @@
           <a:p>
             <a:fld id="{125B0AF9-3DA5-4E2C-8920-4460E5206802}" type="datetime1">
               <a:rPr lang="en-US" smtClean="0"/>
-              <a:t>6/24/2017</a:t>
+              <a:t>6/26/2017</a:t>
             </a:fld>
             <a:endParaRPr lang="en-US" dirty="0"/>
           </a:p>
@@ -6039,7 +6039,7 @@
           <a:p>
             <a:fld id="{75D790BB-4EEC-4ED9-AC4F-B68FD0B02618}" type="datetime1">
               <a:rPr lang="en-US" smtClean="0"/>
-              <a:t>6/24/2017</a:t>
+              <a:t>6/26/2017</a:t>
             </a:fld>
             <a:endParaRPr lang="en-US" dirty="0"/>
           </a:p>
@@ -6169,7 +6169,7 @@
           <a:p>
             <a:fld id="{C89832A5-A2B8-4A8B-9170-26B00E8B481B}" type="datetime1">
               <a:rPr lang="en-US" smtClean="0"/>
-              <a:t>6/24/2017</a:t>
+              <a:t>6/26/2017</a:t>
             </a:fld>
             <a:endParaRPr lang="en-US" dirty="0"/>
           </a:p>
@@ -6366,7 +6366,7 @@
           <a:p>
             <a:fld id="{527513E0-F501-4FEF-B031-7EE6E59458FD}" type="datetime1">
               <a:rPr lang="en-US" smtClean="0"/>
-              <a:t>6/24/2017</a:t>
+              <a:t>6/26/2017</a:t>
             </a:fld>
             <a:endParaRPr lang="en-US" dirty="0"/>
           </a:p>
@@ -6732,7 +6732,7 @@
           <a:p>
             <a:fld id="{7AE50E90-8265-4732-8BBE-2CDB5556D97B}" type="datetime1">
               <a:rPr lang="en-US" smtClean="0"/>
-              <a:t>6/24/2017</a:t>
+              <a:t>6/26/2017</a:t>
             </a:fld>
             <a:endParaRPr lang="en-US" dirty="0"/>
           </a:p>
@@ -7126,7 +7126,7 @@
           <a:p>
             <a:fld id="{AEC28E07-700F-4742-8E01-42F2814E20A9}" type="datetime1">
               <a:rPr lang="en-US" smtClean="0"/>
-              <a:t>6/24/2017</a:t>
+              <a:t>6/26/2017</a:t>
             </a:fld>
             <a:endParaRPr lang="en-US" dirty="0"/>
           </a:p>
@@ -7425,7 +7425,7 @@
           <a:p>
             <a:fld id="{639C652E-BC39-43B3-94C7-E58C8128AD49}" type="datetime1">
               <a:rPr lang="en-US" smtClean="0"/>
-              <a:t>6/24/2017</a:t>
+              <a:t>6/26/2017</a:t>
             </a:fld>
             <a:endParaRPr lang="en-US" dirty="0"/>
           </a:p>
@@ -8207,14 +8207,30 @@
           <a:lstStyle/>
           <a:p>
             <a:r>
+              <a:rPr lang="pt-BR" dirty="0">
+                <a:solidFill>
+                  <a:srgbClr val="011B7A"/>
+                </a:solidFill>
+              </a:rPr>
+              <a:t>Benchmark</a:t>
+            </a:r>
+            <a:r>
               <a:rPr lang="pt-BR" dirty="0"/>
-              <a:t>Benchmark </a:t>
-            </a:r>
-            <a:r>
-              <a:rPr lang="pt-BR" dirty="0" err="1"/>
+              <a:t> </a:t>
+            </a:r>
+            <a:r>
+              <a:rPr lang="pt-BR" dirty="0" err="1">
+                <a:solidFill>
+                  <a:srgbClr val="011B7A"/>
+                </a:solidFill>
+              </a:rPr>
               <a:t>DoCB</a:t>
             </a:r>
-            <a:endParaRPr lang="pt-BR" dirty="0"/>
+            <a:endParaRPr lang="pt-BR" dirty="0">
+              <a:solidFill>
+                <a:srgbClr val="011B7A"/>
+              </a:solidFill>
+            </a:endParaRPr>
           </a:p>
         </p:txBody>
       </p:sp>
@@ -8366,7 +8382,11 @@
           <a:lstStyle/>
           <a:p>
             <a:r>
-              <a:rPr lang="pt-BR" dirty="0"/>
+              <a:rPr lang="pt-BR" dirty="0">
+                <a:solidFill>
+                  <a:srgbClr val="011B7A"/>
+                </a:solidFill>
+              </a:rPr>
               <a:t>Estratégia do Benchmark</a:t>
             </a:r>
           </a:p>
@@ -8593,14 +8613,26 @@
           <a:lstStyle/>
           <a:p>
             <a:r>
-              <a:rPr lang="pt-BR" dirty="0"/>
+              <a:rPr lang="pt-BR" dirty="0">
+                <a:solidFill>
+                  <a:srgbClr val="011B7A"/>
+                </a:solidFill>
+              </a:rPr>
               <a:t>Extensão da Arquitetura do </a:t>
             </a:r>
             <a:r>
-              <a:rPr lang="pt-BR" dirty="0" err="1"/>
+              <a:rPr lang="pt-BR" dirty="0" err="1">
+                <a:solidFill>
+                  <a:srgbClr val="011B7A"/>
+                </a:solidFill>
+              </a:rPr>
               <a:t>AutoElastic</a:t>
             </a:r>
-            <a:endParaRPr lang="pt-BR" dirty="0"/>
+            <a:endParaRPr lang="pt-BR" dirty="0">
+              <a:solidFill>
+                <a:srgbClr val="011B7A"/>
+              </a:solidFill>
+            </a:endParaRPr>
           </a:p>
         </p:txBody>
       </p:sp>
@@ -11103,7 +11135,11 @@
           <a:lstStyle/>
           <a:p>
             <a:r>
-              <a:rPr lang="pt-BR" dirty="0"/>
+              <a:rPr lang="pt-BR" dirty="0">
+                <a:solidFill>
+                  <a:srgbClr val="011B7A"/>
+                </a:solidFill>
+              </a:rPr>
               <a:t>Provisionamento</a:t>
             </a:r>
           </a:p>
@@ -11348,7 +11384,11 @@
           <a:lstStyle/>
           <a:p>
             <a:r>
-              <a:rPr lang="pt-BR" dirty="0"/>
+              <a:rPr lang="pt-BR" dirty="0">
+                <a:solidFill>
+                  <a:srgbClr val="011B7A"/>
+                </a:solidFill>
+              </a:rPr>
               <a:t>Considerações do Modelo</a:t>
             </a:r>
           </a:p>
@@ -11605,7 +11645,11 @@
           <a:lstStyle/>
           <a:p>
             <a:r>
-              <a:rPr lang="pt-BR" dirty="0"/>
+              <a:rPr lang="pt-BR" dirty="0">
+                <a:solidFill>
+                  <a:srgbClr val="011B7A"/>
+                </a:solidFill>
+              </a:rPr>
               <a:t>Modelo de Cenários de Avaliação</a:t>
             </a:r>
           </a:p>
@@ -14424,7 +14468,11 @@
           <a:lstStyle/>
           <a:p>
             <a:r>
-              <a:rPr lang="pt-BR" dirty="0"/>
+              <a:rPr lang="pt-BR" dirty="0">
+                <a:solidFill>
+                  <a:srgbClr val="011B7A"/>
+                </a:solidFill>
+              </a:rPr>
               <a:t>Exemplo de Execução com Elasticidade</a:t>
             </a:r>
           </a:p>
@@ -14589,7 +14637,11 @@
           <a:lstStyle/>
           <a:p>
             <a:r>
-              <a:rPr lang="pt-BR" dirty="0"/>
+              <a:rPr lang="pt-BR" dirty="0">
+                <a:solidFill>
+                  <a:srgbClr val="011B7A"/>
+                </a:solidFill>
+              </a:rPr>
               <a:t>Aplicação do Modelo</a:t>
             </a:r>
           </a:p>
@@ -14743,18 +14795,34 @@
           <a:lstStyle/>
           <a:p>
             <a:r>
-              <a:rPr lang="en-US" dirty="0" err="1"/>
+              <a:rPr lang="en-US" dirty="0" err="1">
+                <a:solidFill>
+                  <a:srgbClr val="011B7A"/>
+                </a:solidFill>
+              </a:rPr>
               <a:t>Metodologia</a:t>
             </a:r>
             <a:r>
-              <a:rPr lang="en-US" dirty="0"/>
+              <a:rPr lang="en-US" dirty="0">
+                <a:solidFill>
+                  <a:srgbClr val="011B7A"/>
+                </a:solidFill>
+              </a:rPr>
               <a:t> de </a:t>
             </a:r>
             <a:r>
-              <a:rPr lang="en-US" dirty="0" err="1"/>
+              <a:rPr lang="en-US" dirty="0" err="1">
+                <a:solidFill>
+                  <a:srgbClr val="011B7A"/>
+                </a:solidFill>
+              </a:rPr>
               <a:t>Avaliação</a:t>
             </a:r>
-            <a:endParaRPr lang="en-US" dirty="0"/>
+            <a:endParaRPr lang="en-US" dirty="0">
+              <a:solidFill>
+                <a:srgbClr val="011B7A"/>
+              </a:solidFill>
+            </a:endParaRPr>
           </a:p>
         </p:txBody>
       </p:sp>
@@ -14817,7 +14885,7 @@
             </a:r>
             <a:r>
               <a:rPr lang="en-US" dirty="0" err="1"/>
-              <a:t>Utlizado</a:t>
+              <a:t>Utilizado</a:t>
             </a:r>
             <a:r>
               <a:rPr lang="en-US" dirty="0"/>
@@ -15914,14 +15982,18 @@
           <a:lstStyle/>
           <a:p>
             <a:r>
-              <a:rPr lang="pt-BR" dirty="0"/>
+              <a:rPr lang="pt-BR" dirty="0">
+                <a:solidFill>
+                  <a:srgbClr val="011B7A"/>
+                </a:solidFill>
+              </a:rPr>
               <a:t>Métricas e Parâmetros</a:t>
             </a:r>
           </a:p>
         </p:txBody>
       </p:sp>
-      <mc:AlternateContent xmlns:mc="http://schemas.openxmlformats.org/markup-compatibility/2006">
-        <mc:Choice xmlns:a14="http://schemas.microsoft.com/office/drawing/2010/main" Requires="a14">
+      <mc:AlternateContent xmlns:mc="http://schemas.openxmlformats.org/markup-compatibility/2006" xmlns:a14="http://schemas.microsoft.com/office/drawing/2010/main">
+        <mc:Choice Requires="a14">
           <p:sp>
             <p:nvSpPr>
               <p:cNvPr id="11" name="Content Placeholder 10"/>
@@ -16170,7 +16242,7 @@
             </p:txBody>
           </p:sp>
         </mc:Choice>
-        <mc:Fallback>
+        <mc:Fallback xmlns="">
           <p:sp>
             <p:nvSpPr>
               <p:cNvPr id="11" name="Content Placeholder 10"/>
@@ -16347,8 +16419,8 @@
           </a:p>
         </p:txBody>
       </p:sp>
-      <mc:AlternateContent xmlns:mc="http://schemas.openxmlformats.org/markup-compatibility/2006">
-        <mc:Choice xmlns:a14="http://schemas.microsoft.com/office/drawing/2010/main" Requires="a14">
+      <mc:AlternateContent xmlns:mc="http://schemas.openxmlformats.org/markup-compatibility/2006" xmlns:a14="http://schemas.microsoft.com/office/drawing/2010/main">
+        <mc:Choice Requires="a14">
           <p:sp>
             <p:nvSpPr>
               <p:cNvPr id="11" name="Content Placeholder 10"/>
@@ -16614,7 +16686,7 @@
             </p:txBody>
           </p:sp>
         </mc:Choice>
-        <mc:Fallback>
+        <mc:Fallback xmlns="">
           <p:sp>
             <p:nvSpPr>
               <p:cNvPr id="11" name="Content Placeholder 10"/>
@@ -16767,13 +16839,13 @@
   <p:clrMapOvr>
     <a:masterClrMapping/>
   </p:clrMapOvr>
-  <mc:AlternateContent xmlns:mc="http://schemas.openxmlformats.org/markup-compatibility/2006">
-    <mc:Choice xmlns:p14="http://schemas.microsoft.com/office/powerpoint/2010/main" Requires="p14">
+  <mc:AlternateContent xmlns:mc="http://schemas.openxmlformats.org/markup-compatibility/2006" xmlns:p14="http://schemas.microsoft.com/office/powerpoint/2010/main">
+    <mc:Choice Requires="p14">
       <p:transition spd="med" p14:dur="700">
         <p:fade/>
       </p:transition>
     </mc:Choice>
-    <mc:Fallback>
+    <mc:Fallback xmlns="">
       <p:transition spd="med">
         <p:fade/>
       </p:transition>
@@ -16815,7 +16887,11 @@
           <a:lstStyle/>
           <a:p>
             <a:r>
-              <a:rPr lang="pt-BR" dirty="0"/>
+              <a:rPr lang="pt-BR" dirty="0">
+                <a:solidFill>
+                  <a:srgbClr val="011B7A"/>
+                </a:solidFill>
+              </a:rPr>
               <a:t>Resultados</a:t>
             </a:r>
           </a:p>
@@ -17550,7 +17626,11 @@
           <a:lstStyle/>
           <a:p>
             <a:r>
-              <a:rPr lang="pt-BR" dirty="0"/>
+              <a:rPr lang="pt-BR" dirty="0">
+                <a:solidFill>
+                  <a:srgbClr val="011B7A"/>
+                </a:solidFill>
+              </a:rPr>
               <a:t>Métricas para carga ascendente</a:t>
             </a:r>
           </a:p>
@@ -17715,7 +17795,11 @@
           <a:lstStyle/>
           <a:p>
             <a:r>
-              <a:rPr lang="pt-BR" dirty="0"/>
+              <a:rPr lang="pt-BR" dirty="0">
+                <a:solidFill>
+                  <a:srgbClr val="011B7A"/>
+                </a:solidFill>
+              </a:rPr>
               <a:t>Métricas para carga descendente</a:t>
             </a:r>
           </a:p>
@@ -17910,18 +17994,34 @@
           <a:lstStyle/>
           <a:p>
             <a:r>
-              <a:rPr lang="en-US" dirty="0" err="1"/>
+              <a:rPr lang="en-US" dirty="0" err="1">
+                <a:solidFill>
+                  <a:srgbClr val="011B7A"/>
+                </a:solidFill>
+              </a:rPr>
               <a:t>Considerações</a:t>
             </a:r>
             <a:r>
-              <a:rPr lang="en-US" dirty="0"/>
+              <a:rPr lang="en-US" dirty="0">
+                <a:solidFill>
+                  <a:srgbClr val="011B7A"/>
+                </a:solidFill>
+              </a:rPr>
               <a:t> </a:t>
             </a:r>
             <a:r>
-              <a:rPr lang="en-US" dirty="0" err="1"/>
+              <a:rPr lang="en-US" dirty="0" err="1">
+                <a:solidFill>
+                  <a:srgbClr val="011B7A"/>
+                </a:solidFill>
+              </a:rPr>
               <a:t>Finais</a:t>
             </a:r>
-            <a:endParaRPr lang="en-US" dirty="0"/>
+            <a:endParaRPr lang="en-US" dirty="0">
+              <a:solidFill>
+                <a:srgbClr val="011B7A"/>
+              </a:solidFill>
+            </a:endParaRPr>
           </a:p>
         </p:txBody>
       </p:sp>
@@ -18081,7 +18181,11 @@
           <a:lstStyle/>
           <a:p>
             <a:r>
-              <a:rPr lang="pt-BR" dirty="0"/>
+              <a:rPr lang="pt-BR" dirty="0">
+                <a:solidFill>
+                  <a:srgbClr val="011B7A"/>
+                </a:solidFill>
+              </a:rPr>
               <a:t>Introdução</a:t>
             </a:r>
           </a:p>
@@ -18136,7 +18240,11 @@
               <a:buFont typeface="Arial" panose="020B0604020202020204" pitchFamily="34" charset="0"/>
               <a:buChar char="•"/>
             </a:pPr>
-            <a:endParaRPr lang="pt-BR" dirty="0"/>
+            <a:endParaRPr lang="pt-BR" sz="4800" spc="-50" dirty="0">
+              <a:latin typeface="+mj-lt"/>
+              <a:ea typeface="+mj-ea"/>
+              <a:cs typeface="+mj-cs"/>
+            </a:endParaRPr>
           </a:p>
         </p:txBody>
       </p:sp>
@@ -18422,7 +18530,11 @@
           <a:lstStyle/>
           <a:p>
             <a:r>
-              <a:rPr lang="pt-BR" dirty="0"/>
+              <a:rPr lang="pt-BR" dirty="0">
+                <a:solidFill>
+                  <a:srgbClr val="011B7A"/>
+                </a:solidFill>
+              </a:rPr>
               <a:t>Estado-da-arte e Alternativas</a:t>
             </a:r>
           </a:p>
@@ -18449,7 +18561,7 @@
             </a:pPr>
             <a:r>
               <a:rPr lang="pt-BR" sz="3200" dirty="0"/>
-              <a:t>Replicação de máquinas virtuais para HPC;</a:t>
+              <a:t>Replicação de máquinas virtuais para PAD;</a:t>
             </a:r>
           </a:p>
           <a:p>
@@ -18640,7 +18752,11 @@
           <a:lstStyle/>
           <a:p>
             <a:r>
-              <a:rPr lang="pt-BR" dirty="0"/>
+              <a:rPr lang="pt-BR" dirty="0">
+                <a:solidFill>
+                  <a:srgbClr val="011B7A"/>
+                </a:solidFill>
+              </a:rPr>
               <a:t>Problema</a:t>
             </a:r>
           </a:p>
@@ -18884,7 +19000,11 @@
           <a:lstStyle/>
           <a:p>
             <a:r>
-              <a:rPr lang="pt-BR" dirty="0"/>
+              <a:rPr lang="pt-BR" dirty="0">
+                <a:solidFill>
+                  <a:srgbClr val="011B7A"/>
+                </a:solidFill>
+              </a:rPr>
               <a:t>Objetivos</a:t>
             </a:r>
           </a:p>
@@ -19085,9 +19205,26 @@
           <a:lstStyle/>
           <a:p>
             <a:r>
-              <a:rPr lang="pt-BR" dirty="0"/>
-              <a:t>Computação em Nuvem</a:t>
-            </a:r>
+              <a:rPr lang="pt-BR" dirty="0">
+                <a:solidFill>
+                  <a:srgbClr val="011B7A"/>
+                </a:solidFill>
+              </a:rPr>
+              <a:t>Virtualização x </a:t>
+            </a:r>
+            <a:r>
+              <a:rPr lang="pt-BR" dirty="0" err="1">
+                <a:solidFill>
+                  <a:srgbClr val="011B7A"/>
+                </a:solidFill>
+              </a:rPr>
+              <a:t>Contêinerização</a:t>
+            </a:r>
+            <a:endParaRPr lang="pt-BR" dirty="0">
+              <a:solidFill>
+                <a:srgbClr val="011B7A"/>
+              </a:solidFill>
+            </a:endParaRPr>
           </a:p>
         </p:txBody>
       </p:sp>
@@ -19112,42 +19249,6 @@
               <a:buFont typeface="Arial" panose="020B0604020202020204" pitchFamily="34" charset="0"/>
               <a:buChar char="•"/>
             </a:pPr>
-            <a:r>
-              <a:rPr lang="pt-BR" sz="2800" dirty="0"/>
-              <a:t> Elasticidade x Escalabilidade</a:t>
-            </a:r>
-          </a:p>
-          <a:p>
-            <a:pPr>
-              <a:buFont typeface="Arial" panose="020B0604020202020204" pitchFamily="34" charset="0"/>
-              <a:buChar char="•"/>
-            </a:pPr>
-            <a:r>
-              <a:rPr lang="pt-BR" sz="2800" dirty="0"/>
-              <a:t> </a:t>
-            </a:r>
-            <a:r>
-              <a:rPr lang="pt-BR" sz="2800" b="1" dirty="0" err="1"/>
-              <a:t>Docker</a:t>
-            </a:r>
-            <a:r>
-              <a:rPr lang="pt-BR" sz="2800" dirty="0"/>
-              <a:t> para virtualização baseada em contêineres</a:t>
-            </a:r>
-          </a:p>
-          <a:p>
-            <a:pPr>
-              <a:buFont typeface="Arial" panose="020B0604020202020204" pitchFamily="34" charset="0"/>
-              <a:buChar char="•"/>
-            </a:pPr>
-            <a:r>
-              <a:rPr lang="pt-BR" sz="2800" dirty="0"/>
-              <a:t> Virtualização x </a:t>
-            </a:r>
-            <a:r>
-              <a:rPr lang="pt-BR" sz="2800" i="1" dirty="0" err="1"/>
-              <a:t>Contêinerização</a:t>
-            </a:r>
             <a:endParaRPr lang="pt-BR" sz="2800" i="1" dirty="0"/>
           </a:p>
         </p:txBody>
@@ -19222,8 +19323,8 @@
         </p:blipFill>
         <p:spPr>
           <a:xfrm>
-            <a:off x="6147518" y="3052003"/>
-            <a:ext cx="5008162" cy="2817091"/>
+            <a:off x="2793577" y="1982656"/>
+            <a:ext cx="6665805" cy="3749515"/>
           </a:xfrm>
           <a:prstGeom prst="rect">
             <a:avLst/>
@@ -19326,7 +19427,11 @@
           <a:lstStyle/>
           <a:p>
             <a:r>
-              <a:rPr lang="pt-BR" dirty="0"/>
+              <a:rPr lang="pt-BR" dirty="0">
+                <a:solidFill>
+                  <a:srgbClr val="011B7A"/>
+                </a:solidFill>
+              </a:rPr>
               <a:t>Trabalhos Relacionados</a:t>
             </a:r>
           </a:p>
@@ -21261,8 +21366,16 @@
           <a:lstStyle/>
           <a:p>
             <a:r>
+              <a:rPr lang="pt-BR" dirty="0">
+                <a:solidFill>
+                  <a:srgbClr val="011B7A"/>
+                </a:solidFill>
+              </a:rPr>
+              <a:t>Lacunas</a:t>
+            </a:r>
+            <a:r>
               <a:rPr lang="pt-BR" dirty="0"/>
-              <a:t>Lacunas </a:t>
+              <a:t> </a:t>
             </a:r>
           </a:p>
         </p:txBody>

--- a/DoCB.pptx
+++ b/DoCB.pptx
@@ -3561,7 +3561,7 @@
           <a:p>
             <a:fld id="{20EA5F0D-C1DC-412F-A146-DDB3A74B588F}" type="datetimeFigureOut">
               <a:rPr lang="en-US"/>
-              <a:t>6/26/2017</a:t>
+              <a:t>6/27/2017</a:t>
             </a:fld>
             <a:endParaRPr dirty="0"/>
           </a:p>
@@ -3726,7 +3726,7 @@
           <a:p>
             <a:fld id="{A8CDE508-72C8-4AB5-AA9C-1584D31690E0}" type="datetimeFigureOut">
               <a:rPr lang="en-US"/>
-              <a:t>6/26/2017</a:t>
+              <a:t>6/27/2017</a:t>
             </a:fld>
             <a:endParaRPr dirty="0"/>
           </a:p>
@@ -4303,7 +4303,7 @@
           <a:p>
             <a:fld id="{96778338-BE31-4C31-88D4-3BE98D0D8557}" type="datetime1">
               <a:rPr lang="en-US" smtClean="0"/>
-              <a:t>6/26/2017</a:t>
+              <a:t>6/27/2017</a:t>
             </a:fld>
             <a:endParaRPr lang="en-US" dirty="0"/>
           </a:p>
@@ -4528,7 +4528,7 @@
           <a:p>
             <a:fld id="{CB17D30F-B934-4413-8D11-F76305985069}" type="datetime1">
               <a:rPr lang="en-US" smtClean="0"/>
-              <a:t>6/26/2017</a:t>
+              <a:t>6/27/2017</a:t>
             </a:fld>
             <a:endParaRPr lang="en-US" dirty="0"/>
           </a:p>
@@ -4796,7 +4796,7 @@
           <a:p>
             <a:fld id="{E7070728-5728-4EE3-8908-5FAA550338B9}" type="datetime1">
               <a:rPr lang="en-US" smtClean="0"/>
-              <a:t>6/26/2017</a:t>
+              <a:t>6/27/2017</a:t>
             </a:fld>
             <a:endParaRPr lang="en-US" dirty="0"/>
           </a:p>
@@ -4978,7 +4978,7 @@
           <a:p>
             <a:fld id="{FE47C11A-4406-419F-9867-F39C3627C8A7}" type="datetime1">
               <a:rPr lang="en-US" smtClean="0"/>
-              <a:t>6/26/2017</a:t>
+              <a:t>6/27/2017</a:t>
             </a:fld>
             <a:endParaRPr lang="en-US" dirty="0"/>
           </a:p>
@@ -5347,7 +5347,7 @@
           <a:p>
             <a:fld id="{6155A251-FF5A-4365-91FB-C4F36D7D1EEC}" type="datetime1">
               <a:rPr lang="en-US" smtClean="0"/>
-              <a:t>6/26/2017</a:t>
+              <a:t>6/27/2017</a:t>
             </a:fld>
             <a:endParaRPr lang="en-US" dirty="0"/>
           </a:p>
@@ -5648,7 +5648,7 @@
           <a:p>
             <a:fld id="{125B0AF9-3DA5-4E2C-8920-4460E5206802}" type="datetime1">
               <a:rPr lang="en-US" smtClean="0"/>
-              <a:t>6/26/2017</a:t>
+              <a:t>6/27/2017</a:t>
             </a:fld>
             <a:endParaRPr lang="en-US" dirty="0"/>
           </a:p>
@@ -6039,7 +6039,7 @@
           <a:p>
             <a:fld id="{75D790BB-4EEC-4ED9-AC4F-B68FD0B02618}" type="datetime1">
               <a:rPr lang="en-US" smtClean="0"/>
-              <a:t>6/26/2017</a:t>
+              <a:t>6/27/2017</a:t>
             </a:fld>
             <a:endParaRPr lang="en-US" dirty="0"/>
           </a:p>
@@ -6169,7 +6169,7 @@
           <a:p>
             <a:fld id="{C89832A5-A2B8-4A8B-9170-26B00E8B481B}" type="datetime1">
               <a:rPr lang="en-US" smtClean="0"/>
-              <a:t>6/26/2017</a:t>
+              <a:t>6/27/2017</a:t>
             </a:fld>
             <a:endParaRPr lang="en-US" dirty="0"/>
           </a:p>
@@ -6366,7 +6366,7 @@
           <a:p>
             <a:fld id="{527513E0-F501-4FEF-B031-7EE6E59458FD}" type="datetime1">
               <a:rPr lang="en-US" smtClean="0"/>
-              <a:t>6/26/2017</a:t>
+              <a:t>6/27/2017</a:t>
             </a:fld>
             <a:endParaRPr lang="en-US" dirty="0"/>
           </a:p>
@@ -6732,7 +6732,7 @@
           <a:p>
             <a:fld id="{7AE50E90-8265-4732-8BBE-2CDB5556D97B}" type="datetime1">
               <a:rPr lang="en-US" smtClean="0"/>
-              <a:t>6/26/2017</a:t>
+              <a:t>6/27/2017</a:t>
             </a:fld>
             <a:endParaRPr lang="en-US" dirty="0"/>
           </a:p>
@@ -7126,7 +7126,7 @@
           <a:p>
             <a:fld id="{AEC28E07-700F-4742-8E01-42F2814E20A9}" type="datetime1">
               <a:rPr lang="en-US" smtClean="0"/>
-              <a:t>6/26/2017</a:t>
+              <a:t>6/27/2017</a:t>
             </a:fld>
             <a:endParaRPr lang="en-US" dirty="0"/>
           </a:p>
@@ -7425,7 +7425,7 @@
           <a:p>
             <a:fld id="{639C652E-BC39-43B3-94C7-E58C8128AD49}" type="datetime1">
               <a:rPr lang="en-US" smtClean="0"/>
-              <a:t>6/26/2017</a:t>
+              <a:t>6/27/2017</a:t>
             </a:fld>
             <a:endParaRPr lang="en-US" dirty="0"/>
           </a:p>
@@ -14939,32 +14939,7 @@
               <a:rPr lang="en-US" b="1" dirty="0"/>
               <a:t>;</a:t>
             </a:r>
-          </a:p>
-          <a:p>
-            <a:pPr>
-              <a:buFont typeface="Arial" panose="020B0604020202020204" pitchFamily="34" charset="0"/>
-              <a:buChar char="•"/>
-            </a:pPr>
-            <a:r>
-              <a:rPr lang="en-US" dirty="0"/>
-              <a:t> </a:t>
-            </a:r>
-            <a:r>
-              <a:rPr lang="en-US" dirty="0" err="1"/>
-              <a:t>Infraestrutura</a:t>
-            </a:r>
-            <a:r>
-              <a:rPr lang="en-US" dirty="0"/>
-              <a:t> de </a:t>
-            </a:r>
-            <a:r>
-              <a:rPr lang="en-US" dirty="0" err="1"/>
-              <a:t>nuvem</a:t>
-            </a:r>
-            <a:r>
-              <a:rPr lang="en-US" dirty="0"/>
-              <a:t> no PIPCA;</a:t>
-            </a:r>
+            <a:endParaRPr lang="en-US" dirty="0"/>
           </a:p>
           <a:p>
             <a:pPr>
@@ -19063,7 +19038,7 @@
             </a:pPr>
             <a:r>
               <a:rPr lang="pt-BR" sz="2800" dirty="0"/>
-              <a:t>Estender o modelo </a:t>
+              <a:t> Estender o modelo </a:t>
             </a:r>
             <a:r>
               <a:rPr lang="pt-BR" sz="2800" dirty="0" err="1"/>
@@ -22332,6 +22307,17 @@
 </file>
 
 <file path=customXml/item1.xml><?xml version="1.0" encoding="utf-8"?>
+<p:properties xmlns:p="http://schemas.microsoft.com/office/2006/metadata/properties" xmlns:xsi="http://www.w3.org/2001/XMLSchema-instance" xmlns:pc="http://schemas.microsoft.com/office/infopath/2007/PartnerControls">
+  <documentManagement>
+    <VSO_x0020_item_x0020_id xmlns="40262f94-9f35-4ac3-9a90-690165a166b7" xsi:nil="true"/>
+    <Assetid_x0020_ xmlns="40262f94-9f35-4ac3-9a90-690165a166b7" xsi:nil="true"/>
+    <Item_x0020_Details xmlns="40262f94-9f35-4ac3-9a90-690165a166b7" xsi:nil="true"/>
+    <Template_x0020_details xmlns="40262f94-9f35-4ac3-9a90-690165a166b7" xsi:nil="true"/>
+  </documentManagement>
+</p:properties>
+</file>
+
+<file path=customXml/item2.xml><?xml version="1.0" encoding="utf-8"?>
 <ct:contentTypeSchema xmlns:ct="http://schemas.microsoft.com/office/2006/metadata/contentType" xmlns:ma="http://schemas.microsoft.com/office/2006/metadata/properties/metaAttributes" ct:_="" ma:_="" ma:contentTypeName="Document" ma:contentTypeID="0x010100AA3F7D94069FF64A86F7DFF56D60E3BE" ma:contentTypeVersion="6" ma:contentTypeDescription="Create a new document." ma:contentTypeScope="" ma:versionID="c32302c77d4085ecf495bdddb7f5e889">
   <xsd:schema xmlns:xsd="http://www.w3.org/2001/XMLSchema" xmlns:xs="http://www.w3.org/2001/XMLSchema" xmlns:p="http://schemas.microsoft.com/office/2006/metadata/properties" xmlns:ns2="a4f35948-e619-41b3-aa29-22878b09cfd2" xmlns:ns3="40262f94-9f35-4ac3-9a90-690165a166b7" targetNamespace="http://schemas.microsoft.com/office/2006/metadata/properties" ma:root="true" ma:fieldsID="4ab5ae46be95f9d0be6107e8200be7a2" ns2:_="" ns3:_="">
     <xsd:import namespace="a4f35948-e619-41b3-aa29-22878b09cfd2"/>
@@ -22512,17 +22498,6 @@
 </ct:contentTypeSchema>
 </file>
 
-<file path=customXml/item2.xml><?xml version="1.0" encoding="utf-8"?>
-<p:properties xmlns:p="http://schemas.microsoft.com/office/2006/metadata/properties" xmlns:xsi="http://www.w3.org/2001/XMLSchema-instance" xmlns:pc="http://schemas.microsoft.com/office/infopath/2007/PartnerControls">
-  <documentManagement>
-    <VSO_x0020_item_x0020_id xmlns="40262f94-9f35-4ac3-9a90-690165a166b7" xsi:nil="true"/>
-    <Assetid_x0020_ xmlns="40262f94-9f35-4ac3-9a90-690165a166b7" xsi:nil="true"/>
-    <Item_x0020_Details xmlns="40262f94-9f35-4ac3-9a90-690165a166b7" xsi:nil="true"/>
-    <Template_x0020_details xmlns="40262f94-9f35-4ac3-9a90-690165a166b7" xsi:nil="true"/>
-  </documentManagement>
-</p:properties>
-</file>
-
 <file path=customXml/item3.xml><?xml version="1.0" encoding="utf-8"?>
 <?mso-contentType ?>
 <FormTemplates xmlns="http://schemas.microsoft.com/sharepoint/v3/contenttype/forms">
@@ -22533,6 +22508,23 @@
 </file>
 
 <file path=customXml/itemProps1.xml><?xml version="1.0" encoding="utf-8"?>
+<ds:datastoreItem xmlns:ds="http://schemas.openxmlformats.org/officeDocument/2006/customXml" ds:itemID="{40B0D886-CB8D-4564-A797-C05BC7D513A8}">
+  <ds:schemaRefs>
+    <ds:schemaRef ds:uri="http://purl.org/dc/elements/1.1/"/>
+    <ds:schemaRef ds:uri="http://schemas.microsoft.com/office/2006/metadata/properties"/>
+    <ds:schemaRef ds:uri="http://purl.org/dc/terms/"/>
+    <ds:schemaRef ds:uri="http://schemas.openxmlformats.org/package/2006/metadata/core-properties"/>
+    <ds:schemaRef ds:uri="http://schemas.microsoft.com/office/2006/documentManagement/types"/>
+    <ds:schemaRef ds:uri="http://schemas.microsoft.com/office/infopath/2007/PartnerControls"/>
+    <ds:schemaRef ds:uri="40262f94-9f35-4ac3-9a90-690165a166b7"/>
+    <ds:schemaRef ds:uri="a4f35948-e619-41b3-aa29-22878b09cfd2"/>
+    <ds:schemaRef ds:uri="http://www.w3.org/XML/1998/namespace"/>
+    <ds:schemaRef ds:uri="http://purl.org/dc/dcmitype/"/>
+  </ds:schemaRefs>
+</ds:datastoreItem>
+</file>
+
+<file path=customXml/itemProps2.xml><?xml version="1.0" encoding="utf-8"?>
 <ds:datastoreItem xmlns:ds="http://schemas.openxmlformats.org/officeDocument/2006/customXml" ds:itemID="{ED65A2C9-CB67-4F36-A412-EEC1AD297F3A}">
   <ds:schemaRefs>
     <ds:schemaRef ds:uri="http://schemas.microsoft.com/office/2006/metadata/contentType"/>
@@ -22551,23 +22543,6 @@
 </ds:datastoreItem>
 </file>
 
-<file path=customXml/itemProps2.xml><?xml version="1.0" encoding="utf-8"?>
-<ds:datastoreItem xmlns:ds="http://schemas.openxmlformats.org/officeDocument/2006/customXml" ds:itemID="{40B0D886-CB8D-4564-A797-C05BC7D513A8}">
-  <ds:schemaRefs>
-    <ds:schemaRef ds:uri="http://purl.org/dc/elements/1.1/"/>
-    <ds:schemaRef ds:uri="http://schemas.microsoft.com/office/2006/metadata/properties"/>
-    <ds:schemaRef ds:uri="http://purl.org/dc/terms/"/>
-    <ds:schemaRef ds:uri="http://schemas.openxmlformats.org/package/2006/metadata/core-properties"/>
-    <ds:schemaRef ds:uri="http://schemas.microsoft.com/office/2006/documentManagement/types"/>
-    <ds:schemaRef ds:uri="http://schemas.microsoft.com/office/infopath/2007/PartnerControls"/>
-    <ds:schemaRef ds:uri="40262f94-9f35-4ac3-9a90-690165a166b7"/>
-    <ds:schemaRef ds:uri="a4f35948-e619-41b3-aa29-22878b09cfd2"/>
-    <ds:schemaRef ds:uri="http://www.w3.org/XML/1998/namespace"/>
-    <ds:schemaRef ds:uri="http://purl.org/dc/dcmitype/"/>
-  </ds:schemaRefs>
-</ds:datastoreItem>
-</file>
-
 <file path=customXml/itemProps3.xml><?xml version="1.0" encoding="utf-8"?>
 <ds:datastoreItem xmlns:ds="http://schemas.openxmlformats.org/officeDocument/2006/customXml" ds:itemID="{FAC2023F-644C-4F7E-8E8C-CDBE4A63C7D1}">
   <ds:schemaRefs>
